--- a/Présentation1.pptx
+++ b/Présentation1.pptx
@@ -104,6 +104,11 @@
       </a:defRPr>
     </a:lvl9pPr>
   </p:defaultTextStyle>
+  <p:extLst>
+    <p:ext uri="{EFAFB233-063F-42B5-8137-9DF3F51BA10A}">
+      <p15:sldGuideLst xmlns:p15="http://schemas.microsoft.com/office/powerpoint/2012/main"/>
+    </p:ext>
+  </p:extLst>
 </p:presentation>
 </file>
 
@@ -238,7 +243,7 @@
           <a:p>
             <a:fld id="{5A0D766F-206E-48C9-8DC6-F8CA09057DFE}" type="datetimeFigureOut">
               <a:rPr lang="fr-FR" smtClean="0"/>
-              <a:t>18/03/2022</a:t>
+              <a:t>21/03/2022</a:t>
             </a:fld>
             <a:endParaRPr lang="fr-FR"/>
           </a:p>
@@ -408,7 +413,7 @@
           <a:p>
             <a:fld id="{5A0D766F-206E-48C9-8DC6-F8CA09057DFE}" type="datetimeFigureOut">
               <a:rPr lang="fr-FR" smtClean="0"/>
-              <a:t>18/03/2022</a:t>
+              <a:t>21/03/2022</a:t>
             </a:fld>
             <a:endParaRPr lang="fr-FR"/>
           </a:p>
@@ -588,7 +593,7 @@
           <a:p>
             <a:fld id="{5A0D766F-206E-48C9-8DC6-F8CA09057DFE}" type="datetimeFigureOut">
               <a:rPr lang="fr-FR" smtClean="0"/>
-              <a:t>18/03/2022</a:t>
+              <a:t>21/03/2022</a:t>
             </a:fld>
             <a:endParaRPr lang="fr-FR"/>
           </a:p>
@@ -758,7 +763,7 @@
           <a:p>
             <a:fld id="{5A0D766F-206E-48C9-8DC6-F8CA09057DFE}" type="datetimeFigureOut">
               <a:rPr lang="fr-FR" smtClean="0"/>
-              <a:t>18/03/2022</a:t>
+              <a:t>21/03/2022</a:t>
             </a:fld>
             <a:endParaRPr lang="fr-FR"/>
           </a:p>
@@ -1004,7 +1009,7 @@
           <a:p>
             <a:fld id="{5A0D766F-206E-48C9-8DC6-F8CA09057DFE}" type="datetimeFigureOut">
               <a:rPr lang="fr-FR" smtClean="0"/>
-              <a:t>18/03/2022</a:t>
+              <a:t>21/03/2022</a:t>
             </a:fld>
             <a:endParaRPr lang="fr-FR"/>
           </a:p>
@@ -1236,7 +1241,7 @@
           <a:p>
             <a:fld id="{5A0D766F-206E-48C9-8DC6-F8CA09057DFE}" type="datetimeFigureOut">
               <a:rPr lang="fr-FR" smtClean="0"/>
-              <a:t>18/03/2022</a:t>
+              <a:t>21/03/2022</a:t>
             </a:fld>
             <a:endParaRPr lang="fr-FR"/>
           </a:p>
@@ -1603,7 +1608,7 @@
           <a:p>
             <a:fld id="{5A0D766F-206E-48C9-8DC6-F8CA09057DFE}" type="datetimeFigureOut">
               <a:rPr lang="fr-FR" smtClean="0"/>
-              <a:t>18/03/2022</a:t>
+              <a:t>21/03/2022</a:t>
             </a:fld>
             <a:endParaRPr lang="fr-FR"/>
           </a:p>
@@ -1721,7 +1726,7 @@
           <a:p>
             <a:fld id="{5A0D766F-206E-48C9-8DC6-F8CA09057DFE}" type="datetimeFigureOut">
               <a:rPr lang="fr-FR" smtClean="0"/>
-              <a:t>18/03/2022</a:t>
+              <a:t>21/03/2022</a:t>
             </a:fld>
             <a:endParaRPr lang="fr-FR"/>
           </a:p>
@@ -1816,7 +1821,7 @@
           <a:p>
             <a:fld id="{5A0D766F-206E-48C9-8DC6-F8CA09057DFE}" type="datetimeFigureOut">
               <a:rPr lang="fr-FR" smtClean="0"/>
-              <a:t>18/03/2022</a:t>
+              <a:t>21/03/2022</a:t>
             </a:fld>
             <a:endParaRPr lang="fr-FR"/>
           </a:p>
@@ -2093,7 +2098,7 @@
           <a:p>
             <a:fld id="{5A0D766F-206E-48C9-8DC6-F8CA09057DFE}" type="datetimeFigureOut">
               <a:rPr lang="fr-FR" smtClean="0"/>
-              <a:t>18/03/2022</a:t>
+              <a:t>21/03/2022</a:t>
             </a:fld>
             <a:endParaRPr lang="fr-FR"/>
           </a:p>
@@ -2346,7 +2351,7 @@
           <a:p>
             <a:fld id="{5A0D766F-206E-48C9-8DC6-F8CA09057DFE}" type="datetimeFigureOut">
               <a:rPr lang="fr-FR" smtClean="0"/>
-              <a:t>18/03/2022</a:t>
+              <a:t>21/03/2022</a:t>
             </a:fld>
             <a:endParaRPr lang="fr-FR"/>
           </a:p>
@@ -2559,7 +2564,7 @@
           <a:p>
             <a:fld id="{5A0D766F-206E-48C9-8DC6-F8CA09057DFE}" type="datetimeFigureOut">
               <a:rPr lang="fr-FR" smtClean="0"/>
-              <a:t>18/03/2022</a:t>
+              <a:t>21/03/2022</a:t>
             </a:fld>
             <a:endParaRPr lang="fr-FR"/>
           </a:p>
@@ -2973,14 +2978,14 @@
           <p:nvPr>
             <p:extLst>
               <p:ext uri="{D42A27DB-BD31-4B8C-83A1-F6EECF244321}">
-                <p14:modId xmlns:p14="http://schemas.microsoft.com/office/powerpoint/2010/main" val="3796207009"/>
+                <p14:modId xmlns:p14="http://schemas.microsoft.com/office/powerpoint/2010/main" val="476487773"/>
               </p:ext>
             </p:extLst>
           </p:nvPr>
         </p:nvGraphicFramePr>
         <p:xfrm>
           <a:off x="533399" y="104136"/>
-          <a:ext cx="9812868" cy="6417944"/>
+          <a:ext cx="9812867" cy="6561031"/>
         </p:xfrm>
         <a:graphic>
           <a:graphicData uri="http://schemas.openxmlformats.org/drawingml/2006/table">
@@ -2989,11 +2994,12 @@
                 <a:tableStyleId>{5C22544A-7EE6-4342-B048-85BDC9FD1C3A}</a:tableStyleId>
               </a:tblPr>
               <a:tblGrid>
-                <a:gridCol w="2137454"/>
-                <a:gridCol w="1787692"/>
-                <a:gridCol w="1962574"/>
-                <a:gridCol w="1962574"/>
-                <a:gridCol w="1962574"/>
+                <a:gridCol w="1781212"/>
+                <a:gridCol w="1489743"/>
+                <a:gridCol w="1635478"/>
+                <a:gridCol w="1635478"/>
+                <a:gridCol w="1635478"/>
+                <a:gridCol w="1635478"/>
               </a:tblGrid>
               <a:tr h="483703">
                 <a:tc>
@@ -3119,6 +3125,29 @@
                   </a:txBody>
                   <a:tcPr anchor="ctr"/>
                 </a:tc>
+                <a:tc>
+                  <a:txBody>
+                    <a:bodyPr/>
+                    <a:lstStyle/>
+                    <a:p>
+                      <a:pPr algn="ctr"/>
+                      <a:r>
+                        <a:rPr lang="fr-FR" dirty="0" smtClean="0">
+                          <a:solidFill>
+                            <a:srgbClr val="C00000"/>
+                          </a:solidFill>
+                        </a:rPr>
+                        <a:t>Réalisateur</a:t>
+                      </a:r>
+                      <a:endParaRPr lang="fr-FR" dirty="0">
+                        <a:solidFill>
+                          <a:srgbClr val="C00000"/>
+                        </a:solidFill>
+                      </a:endParaRPr>
+                    </a:p>
+                  </a:txBody>
+                  <a:tcPr anchor="ctr"/>
+                </a:tc>
               </a:tr>
               <a:tr h="755776">
                 <a:tc>
@@ -3235,6 +3264,29 @@
                   </a:txBody>
                   <a:tcPr anchor="ctr"/>
                 </a:tc>
+                <a:tc>
+                  <a:txBody>
+                    <a:bodyPr/>
+                    <a:lstStyle/>
+                    <a:p>
+                      <a:pPr algn="ctr"/>
+                      <a:r>
+                        <a:rPr lang="fr-FR" sz="1400" dirty="0" err="1" smtClean="0"/>
+                        <a:t>Naren</a:t>
+                      </a:r>
+                      <a:r>
+                        <a:rPr lang="fr-FR" sz="1400" dirty="0" smtClean="0"/>
+                        <a:t> </a:t>
+                      </a:r>
+                      <a:r>
+                        <a:rPr lang="fr-FR" sz="1400" dirty="0" err="1" smtClean="0"/>
+                        <a:t>Shanker</a:t>
+                      </a:r>
+                      <a:endParaRPr lang="fr-FR" sz="1400" dirty="0"/>
+                    </a:p>
+                  </a:txBody>
+                  <a:tcPr anchor="ctr"/>
+                </a:tc>
               </a:tr>
               <a:tr h="755776">
                 <a:tc>
@@ -3351,6 +3403,25 @@
                   </a:txBody>
                   <a:tcPr anchor="ctr"/>
                 </a:tc>
+                <a:tc>
+                  <a:txBody>
+                    <a:bodyPr/>
+                    <a:lstStyle/>
+                    <a:p>
+                      <a:pPr algn="ctr"/>
+                      <a:r>
+                        <a:rPr lang="fr-FR" sz="1400" dirty="0" err="1" smtClean="0"/>
+                        <a:t>Rowan</a:t>
+                      </a:r>
+                      <a:r>
+                        <a:rPr lang="fr-FR" sz="1400" dirty="0" smtClean="0"/>
+                        <a:t> Woods</a:t>
+                      </a:r>
+                      <a:endParaRPr lang="fr-FR" sz="1400" dirty="0"/>
+                    </a:p>
+                  </a:txBody>
+                  <a:tcPr anchor="ctr"/>
+                </a:tc>
               </a:tr>
               <a:tr h="755776">
                 <a:tc>
@@ -3439,6 +3510,21 @@
                   </a:txBody>
                   <a:tcPr anchor="ctr"/>
                 </a:tc>
+                <a:tc>
+                  <a:txBody>
+                    <a:bodyPr/>
+                    <a:lstStyle/>
+                    <a:p>
+                      <a:pPr algn="ctr"/>
+                      <a:r>
+                        <a:rPr lang="fr-FR" sz="1400" dirty="0" smtClean="0"/>
+                        <a:t>Greg Daniels</a:t>
+                      </a:r>
+                      <a:endParaRPr lang="fr-FR" sz="1400" dirty="0"/>
+                    </a:p>
+                  </a:txBody>
+                  <a:tcPr anchor="ctr"/>
+                </a:tc>
               </a:tr>
               <a:tr h="755776">
                 <a:tc>
@@ -3535,6 +3621,25 @@
                   </a:txBody>
                   <a:tcPr anchor="ctr"/>
                 </a:tc>
+                <a:tc>
+                  <a:txBody>
+                    <a:bodyPr/>
+                    <a:lstStyle/>
+                    <a:p>
+                      <a:pPr algn="ctr"/>
+                      <a:r>
+                        <a:rPr lang="fr-FR" sz="1400" dirty="0" smtClean="0"/>
+                        <a:t>Robert </a:t>
+                      </a:r>
+                      <a:r>
+                        <a:rPr lang="fr-FR" sz="1400" dirty="0" err="1" smtClean="0"/>
+                        <a:t>Kirkman</a:t>
+                      </a:r>
+                      <a:endParaRPr lang="fr-FR" sz="1400" dirty="0"/>
+                    </a:p>
+                  </a:txBody>
+                  <a:tcPr anchor="ctr"/>
+                </a:tc>
               </a:tr>
               <a:tr h="755776">
                 <a:tc>
@@ -3655,6 +3760,21 @@
                   </a:txBody>
                   <a:tcPr anchor="ctr"/>
                 </a:tc>
+                <a:tc>
+                  <a:txBody>
+                    <a:bodyPr/>
+                    <a:lstStyle/>
+                    <a:p>
+                      <a:pPr algn="ctr"/>
+                      <a:r>
+                        <a:rPr lang="fr-FR" sz="1400" dirty="0" smtClean="0"/>
+                        <a:t>Thomas Vincent</a:t>
+                      </a:r>
+                      <a:endParaRPr lang="fr-FR" sz="1400" dirty="0"/>
+                    </a:p>
+                  </a:txBody>
+                  <a:tcPr anchor="ctr"/>
+                </a:tc>
               </a:tr>
               <a:tr h="643809">
                 <a:tc>
@@ -3759,6 +3879,25 @@
                   </a:txBody>
                   <a:tcPr anchor="ctr"/>
                 </a:tc>
+                <a:tc>
+                  <a:txBody>
+                    <a:bodyPr/>
+                    <a:lstStyle/>
+                    <a:p>
+                      <a:pPr algn="ctr"/>
+                      <a:r>
+                        <a:rPr lang="fr-FR" sz="1400" dirty="0" smtClean="0"/>
+                        <a:t>Uta </a:t>
+                      </a:r>
+                      <a:r>
+                        <a:rPr lang="fr-FR" sz="1400" dirty="0" err="1" smtClean="0"/>
+                        <a:t>Briesewitz</a:t>
+                      </a:r>
+                      <a:endParaRPr lang="fr-FR" sz="1400" dirty="0"/>
+                    </a:p>
+                  </a:txBody>
+                  <a:tcPr anchor="ctr"/>
+                </a:tc>
               </a:tr>
               <a:tr h="755776">
                 <a:tc>
@@ -3887,6 +4026,17 @@
                   </a:txBody>
                   <a:tcPr anchor="ctr"/>
                 </a:tc>
+                <a:tc>
+                  <a:txBody>
+                    <a:bodyPr/>
+                    <a:lstStyle/>
+                    <a:p>
+                      <a:pPr algn="ctr"/>
+                      <a:endParaRPr lang="fr-FR" sz="1400" dirty="0"/>
+                    </a:p>
+                  </a:txBody>
+                  <a:tcPr anchor="ctr"/>
+                </a:tc>
               </a:tr>
               <a:tr h="755776">
                 <a:tc>
@@ -3994,6 +4144,21 @@
                         <a:t>https://www.artistikrezo.com/wp-content/uploads/2021/12/d81210e76094212f045b0c43268498f9634e34e03e03e876f6c066bbb23c366a._RI_V_TTW_.jpg</a:t>
                       </a:r>
                       <a:endParaRPr lang="fr-FR" sz="800" dirty="0"/>
+                    </a:p>
+                  </a:txBody>
+                  <a:tcPr anchor="ctr"/>
+                </a:tc>
+                <a:tc>
+                  <a:txBody>
+                    <a:bodyPr/>
+                    <a:lstStyle/>
+                    <a:p>
+                      <a:pPr algn="ctr"/>
+                      <a:r>
+                        <a:rPr lang="fr-FR" sz="1400" dirty="0" smtClean="0"/>
+                        <a:t>Clément Cotentin</a:t>
+                      </a:r>
+                      <a:endParaRPr lang="fr-FR" sz="1400" dirty="0"/>
                     </a:p>
                   </a:txBody>
                   <a:tcPr anchor="ctr"/>
